--- a/Salaryball.pptx
+++ b/Salaryball.pptx
@@ -112,6 +112,11 @@
       </a:defRPr>
     </a:lvl9pPr>
   </p:defaultTextStyle>
+  <p:extLst>
+    <p:ext uri="{EFAFB233-063F-42B5-8137-9DF3F51BA10A}">
+      <p15:sldGuideLst xmlns:p15="http://schemas.microsoft.com/office/powerpoint/2012/main"/>
+    </p:ext>
+  </p:extLst>
 </p:presentation>
 </file>
 
@@ -278,7 +283,7 @@
           <a:p>
             <a:fld id="{1160EA64-D806-43AC-9DF2-F8C432F32B4C}" type="datetimeFigureOut">
               <a:rPr lang="en-US" smtClean="0"/>
-              <a:t>4/1/20</a:t>
+              <a:t>4/5/2020</a:t>
             </a:fld>
             <a:endParaRPr lang="en-US" dirty="0"/>
           </a:p>
@@ -449,7 +454,7 @@
           <a:p>
             <a:fld id="{E9F9C37B-1D36-470B-8223-D6C91242EC14}" type="datetimeFigureOut">
               <a:rPr lang="en-US" smtClean="0"/>
-              <a:t>4/1/20</a:t>
+              <a:t>4/5/2020</a:t>
             </a:fld>
             <a:endParaRPr lang="en-US" dirty="0"/>
           </a:p>
@@ -629,7 +634,7 @@
           <a:p>
             <a:fld id="{67C6F52A-A82B-47A2-A83A-8C4C91F2D59F}" type="datetimeFigureOut">
               <a:rPr lang="en-US" smtClean="0"/>
-              <a:t>4/1/20</a:t>
+              <a:t>4/5/2020</a:t>
             </a:fld>
             <a:endParaRPr lang="en-US" dirty="0"/>
           </a:p>
@@ -799,7 +804,7 @@
           <a:p>
             <a:fld id="{F070A7B3-6521-4DCA-87E5-044747A908C1}" type="datetimeFigureOut">
               <a:rPr lang="en-US" smtClean="0"/>
-              <a:t>4/1/20</a:t>
+              <a:t>4/5/2020</a:t>
             </a:fld>
             <a:endParaRPr lang="en-US" dirty="0"/>
           </a:p>
@@ -1068,7 +1073,7 @@
           <a:p>
             <a:fld id="{1160EA64-D806-43AC-9DF2-F8C432F32B4C}" type="datetimeFigureOut">
               <a:rPr lang="en-US" smtClean="0"/>
-              <a:t>4/1/20</a:t>
+              <a:t>4/5/2020</a:t>
             </a:fld>
             <a:endParaRPr lang="en-US" dirty="0"/>
           </a:p>
@@ -1301,7 +1306,7 @@
           <a:p>
             <a:fld id="{AB134690-1557-4C89-A502-4959FE7FAD70}" type="datetimeFigureOut">
               <a:rPr lang="en-US" smtClean="0"/>
-              <a:t>4/1/20</a:t>
+              <a:t>4/5/2020</a:t>
             </a:fld>
             <a:endParaRPr lang="en-US" dirty="0"/>
           </a:p>
@@ -1660,7 +1665,7 @@
           <a:p>
             <a:fld id="{4F7D4976-E339-4826-83B7-FBD03F55ECF8}" type="datetimeFigureOut">
               <a:rPr lang="en-US" smtClean="0"/>
-              <a:t>4/1/20</a:t>
+              <a:t>4/5/2020</a:t>
             </a:fld>
             <a:endParaRPr lang="en-US" dirty="0"/>
           </a:p>
@@ -1801,7 +1806,7 @@
           <a:p>
             <a:fld id="{E1037C31-9E7A-4F99-8774-A0E530DE1A42}" type="datetimeFigureOut">
               <a:rPr lang="en-US" smtClean="0"/>
-              <a:t>4/1/20</a:t>
+              <a:t>4/5/2020</a:t>
             </a:fld>
             <a:endParaRPr lang="en-US" dirty="0"/>
           </a:p>
@@ -1896,7 +1901,7 @@
           <a:p>
             <a:fld id="{C278504F-A551-4DE0-9316-4DCD1D8CC752}" type="datetimeFigureOut">
               <a:rPr lang="en-US" smtClean="0"/>
-              <a:t>4/1/20</a:t>
+              <a:t>4/5/2020</a:t>
             </a:fld>
             <a:endParaRPr lang="en-US" dirty="0"/>
           </a:p>
@@ -2253,7 +2258,7 @@
           <a:p>
             <a:fld id="{D1BE4249-C0D0-4B06-8692-E8BB871AF643}" type="datetimeFigureOut">
               <a:rPr lang="en-US" smtClean="0"/>
-              <a:t>4/1/20</a:t>
+              <a:t>4/5/2020</a:t>
             </a:fld>
             <a:endParaRPr lang="en-US" dirty="0"/>
           </a:p>
@@ -2610,7 +2615,7 @@
           <a:p>
             <a:fld id="{042B0DB6-F5C7-45FB-8CF3-31B45F9C2DAC}" type="datetimeFigureOut">
               <a:rPr lang="en-US" smtClean="0"/>
-              <a:t>4/1/20</a:t>
+              <a:t>4/5/2020</a:t>
             </a:fld>
             <a:endParaRPr lang="en-US" dirty="0"/>
           </a:p>
@@ -2852,7 +2857,7 @@
           <a:p>
             <a:fld id="{1160EA64-D806-43AC-9DF2-F8C432F32B4C}" type="datetimeFigureOut">
               <a:rPr lang="en-US" smtClean="0"/>
-              <a:t>4/1/20</a:t>
+              <a:t>4/5/2020</a:t>
             </a:fld>
             <a:endParaRPr lang="en-US" dirty="0"/>
           </a:p>
@@ -3610,10 +3615,36 @@
         </p:nvSpPr>
         <p:spPr/>
         <p:txBody>
-          <a:bodyPr/>
-          <a:lstStyle/>
-          <a:p>
-            <a:endParaRPr lang="en-US"/>
+          <a:bodyPr>
+            <a:normAutofit fontScale="85000" lnSpcReduction="10000"/>
+          </a:bodyPr>
+          <a:lstStyle/>
+          <a:p>
+            <a:pPr marL="0" indent="0">
+              <a:buNone/>
+            </a:pPr>
+            <a:r>
+              <a:rPr lang="en-US" dirty="0"/>
+              <a:t>In the early 2000’s the Oakland A’s took a very different approach to determining a players value. They decided to use advanced analytics to find players that were currently undervalued in the market to fill their roster. They found players based on an analysis that identified the specific statistics that aligned mostly with wins. The Oakland A’s broke the single season winning record that year. And baseball player valuations have never been the same in Major League Baseball. Now 20 seasons later, analytics are still being used in a variety of ways. This project was a deep dive into the analytics of baseball using both traditional statistics and modern formulas, to examine how the advanced analytic era of player valuations might have changed the way that teams approach player salaries over time. Whether you love baseball, are a casual fan or are new to the sport, this presentation will provide some unique insights into the game through the </a:t>
+            </a:r>
+            <a:r>
+              <a:rPr lang="en-US" dirty="0" err="1"/>
+              <a:t>lense</a:t>
+            </a:r>
+            <a:r>
+              <a:rPr lang="en-US" dirty="0"/>
+              <a:t> of data science and the way teams strategize their payrolls to win games in the era of advanced analytics.  </a:t>
+            </a:r>
+          </a:p>
+          <a:p>
+            <a:r>
+              <a:rPr lang="en-US" dirty="0"/>
+              <a:t/>
+            </a:r>
+            <a:br>
+              <a:rPr lang="en-US" dirty="0"/>
+            </a:br>
+            <a:endParaRPr lang="en-US" dirty="0"/>
           </a:p>
         </p:txBody>
       </p:sp>
@@ -4012,6 +4043,10 @@
             <a:br>
               <a:rPr lang="en-US" dirty="0"/>
             </a:br>
+            <a:r>
+              <a:rPr lang="en-US" dirty="0"/>
+              <a:t/>
+            </a:r>
             <a:br>
               <a:rPr lang="en-US" dirty="0"/>
             </a:br>
